--- a/CBDT ON NACH.pptx
+++ b/CBDT ON NACH.pptx
@@ -7,25 +7,27 @@
   <p:sldIdLst>
     <p:sldId id="256" r:id="rId2"/>
     <p:sldId id="257" r:id="rId3"/>
-    <p:sldId id="258" r:id="rId4"/>
-    <p:sldId id="259" r:id="rId5"/>
-    <p:sldId id="260" r:id="rId6"/>
-    <p:sldId id="261" r:id="rId7"/>
-    <p:sldId id="262" r:id="rId8"/>
-    <p:sldId id="263" r:id="rId9"/>
-    <p:sldId id="264" r:id="rId10"/>
-    <p:sldId id="265" r:id="rId11"/>
-    <p:sldId id="266" r:id="rId12"/>
-    <p:sldId id="268" r:id="rId13"/>
-    <p:sldId id="269" r:id="rId14"/>
-    <p:sldId id="270" r:id="rId15"/>
-    <p:sldId id="271" r:id="rId16"/>
-    <p:sldId id="272" r:id="rId17"/>
-    <p:sldId id="267" r:id="rId18"/>
-    <p:sldId id="273" r:id="rId19"/>
-    <p:sldId id="274" r:id="rId20"/>
-    <p:sldId id="275" r:id="rId21"/>
-    <p:sldId id="276" r:id="rId22"/>
+    <p:sldId id="278" r:id="rId4"/>
+    <p:sldId id="277" r:id="rId5"/>
+    <p:sldId id="258" r:id="rId6"/>
+    <p:sldId id="259" r:id="rId7"/>
+    <p:sldId id="260" r:id="rId8"/>
+    <p:sldId id="261" r:id="rId9"/>
+    <p:sldId id="262" r:id="rId10"/>
+    <p:sldId id="263" r:id="rId11"/>
+    <p:sldId id="264" r:id="rId12"/>
+    <p:sldId id="265" r:id="rId13"/>
+    <p:sldId id="266" r:id="rId14"/>
+    <p:sldId id="268" r:id="rId15"/>
+    <p:sldId id="269" r:id="rId16"/>
+    <p:sldId id="270" r:id="rId17"/>
+    <p:sldId id="271" r:id="rId18"/>
+    <p:sldId id="272" r:id="rId19"/>
+    <p:sldId id="267" r:id="rId20"/>
+    <p:sldId id="273" r:id="rId21"/>
+    <p:sldId id="274" r:id="rId22"/>
+    <p:sldId id="275" r:id="rId23"/>
+    <p:sldId id="276" r:id="rId24"/>
   </p:sldIdLst>
   <p:sldSz cx="9144000" cy="6858000" type="screen4x3"/>
   <p:notesSz cx="6858000" cy="9144000"/>
@@ -308,7 +310,7 @@
           <a:p>
             <a:fld id="{AC3FDF99-D337-4CB3-B497-A6373BB1DCA1}" type="datetimeFigureOut">
               <a:rPr lang="en-IN" smtClean="0"/>
-              <a:t>15-03-2022</a:t>
+              <a:t>17-03-2022</a:t>
             </a:fld>
             <a:endParaRPr lang="en-IN"/>
           </a:p>
@@ -478,7 +480,7 @@
           <a:p>
             <a:fld id="{AC3FDF99-D337-4CB3-B497-A6373BB1DCA1}" type="datetimeFigureOut">
               <a:rPr lang="en-IN" smtClean="0"/>
-              <a:t>15-03-2022</a:t>
+              <a:t>17-03-2022</a:t>
             </a:fld>
             <a:endParaRPr lang="en-IN"/>
           </a:p>
@@ -658,7 +660,7 @@
           <a:p>
             <a:fld id="{AC3FDF99-D337-4CB3-B497-A6373BB1DCA1}" type="datetimeFigureOut">
               <a:rPr lang="en-IN" smtClean="0"/>
-              <a:t>15-03-2022</a:t>
+              <a:t>17-03-2022</a:t>
             </a:fld>
             <a:endParaRPr lang="en-IN"/>
           </a:p>
@@ -828,7 +830,7 @@
           <a:p>
             <a:fld id="{AC3FDF99-D337-4CB3-B497-A6373BB1DCA1}" type="datetimeFigureOut">
               <a:rPr lang="en-IN" smtClean="0"/>
-              <a:t>15-03-2022</a:t>
+              <a:t>17-03-2022</a:t>
             </a:fld>
             <a:endParaRPr lang="en-IN"/>
           </a:p>
@@ -1074,7 +1076,7 @@
           <a:p>
             <a:fld id="{AC3FDF99-D337-4CB3-B497-A6373BB1DCA1}" type="datetimeFigureOut">
               <a:rPr lang="en-IN" smtClean="0"/>
-              <a:t>15-03-2022</a:t>
+              <a:t>17-03-2022</a:t>
             </a:fld>
             <a:endParaRPr lang="en-IN"/>
           </a:p>
@@ -1362,7 +1364,7 @@
           <a:p>
             <a:fld id="{AC3FDF99-D337-4CB3-B497-A6373BB1DCA1}" type="datetimeFigureOut">
               <a:rPr lang="en-IN" smtClean="0"/>
-              <a:t>15-03-2022</a:t>
+              <a:t>17-03-2022</a:t>
             </a:fld>
             <a:endParaRPr lang="en-IN"/>
           </a:p>
@@ -1784,7 +1786,7 @@
           <a:p>
             <a:fld id="{AC3FDF99-D337-4CB3-B497-A6373BB1DCA1}" type="datetimeFigureOut">
               <a:rPr lang="en-IN" smtClean="0"/>
-              <a:t>15-03-2022</a:t>
+              <a:t>17-03-2022</a:t>
             </a:fld>
             <a:endParaRPr lang="en-IN"/>
           </a:p>
@@ -1902,7 +1904,7 @@
           <a:p>
             <a:fld id="{AC3FDF99-D337-4CB3-B497-A6373BB1DCA1}" type="datetimeFigureOut">
               <a:rPr lang="en-IN" smtClean="0"/>
-              <a:t>15-03-2022</a:t>
+              <a:t>17-03-2022</a:t>
             </a:fld>
             <a:endParaRPr lang="en-IN"/>
           </a:p>
@@ -1997,7 +1999,7 @@
           <a:p>
             <a:fld id="{AC3FDF99-D337-4CB3-B497-A6373BB1DCA1}" type="datetimeFigureOut">
               <a:rPr lang="en-IN" smtClean="0"/>
-              <a:t>15-03-2022</a:t>
+              <a:t>17-03-2022</a:t>
             </a:fld>
             <a:endParaRPr lang="en-IN"/>
           </a:p>
@@ -2274,7 +2276,7 @@
           <a:p>
             <a:fld id="{AC3FDF99-D337-4CB3-B497-A6373BB1DCA1}" type="datetimeFigureOut">
               <a:rPr lang="en-IN" smtClean="0"/>
-              <a:t>15-03-2022</a:t>
+              <a:t>17-03-2022</a:t>
             </a:fld>
             <a:endParaRPr lang="en-IN"/>
           </a:p>
@@ -2527,7 +2529,7 @@
           <a:p>
             <a:fld id="{AC3FDF99-D337-4CB3-B497-A6373BB1DCA1}" type="datetimeFigureOut">
               <a:rPr lang="en-IN" smtClean="0"/>
-              <a:t>15-03-2022</a:t>
+              <a:t>17-03-2022</a:t>
             </a:fld>
             <a:endParaRPr lang="en-IN"/>
           </a:p>
@@ -2740,7 +2742,7 @@
           <a:p>
             <a:fld id="{AC3FDF99-D337-4CB3-B497-A6373BB1DCA1}" type="datetimeFigureOut">
               <a:rPr lang="en-IN" smtClean="0"/>
-              <a:t>15-03-2022</a:t>
+              <a:t>17-03-2022</a:t>
             </a:fld>
             <a:endParaRPr lang="en-IN"/>
           </a:p>
@@ -3187,6 +3189,189 @@
         </p:nvSpPr>
         <p:spPr/>
         <p:txBody>
+          <a:bodyPr/>
+          <a:lstStyle/>
+          <a:p>
+            <a:endParaRPr lang="en-IN" dirty="0"/>
+          </a:p>
+        </p:txBody>
+      </p:sp>
+      <p:pic>
+        <p:nvPicPr>
+          <p:cNvPr id="4" name="Content Placeholder 3"/>
+          <p:cNvPicPr>
+            <a:picLocks noGrp="1" noChangeAspect="1"/>
+          </p:cNvPicPr>
+          <p:nvPr>
+            <p:ph idx="1"/>
+          </p:nvPr>
+        </p:nvPicPr>
+        <p:blipFill>
+          <a:blip r:embed="rId2">
+            <a:extLst>
+              <a:ext uri="{28A0092B-C50C-407E-A947-70E740481C1C}">
+                <a14:useLocalDpi xmlns:a14="http://schemas.microsoft.com/office/drawing/2010/main" val="0"/>
+              </a:ext>
+            </a:extLst>
+          </a:blip>
+          <a:stretch>
+            <a:fillRect/>
+          </a:stretch>
+        </p:blipFill>
+        <p:spPr>
+          <a:xfrm>
+            <a:off x="323528" y="1700808"/>
+            <a:ext cx="8229600" cy="4286075"/>
+          </a:xfrm>
+        </p:spPr>
+      </p:pic>
+    </p:spTree>
+    <p:extLst>
+      <p:ext uri="{BB962C8B-B14F-4D97-AF65-F5344CB8AC3E}">
+        <p14:creationId xmlns:p14="http://schemas.microsoft.com/office/powerpoint/2010/main" val="51257507"/>
+      </p:ext>
+    </p:extLst>
+  </p:cSld>
+  <p:clrMapOvr>
+    <a:masterClrMapping/>
+  </p:clrMapOvr>
+  <p:timing>
+    <p:tnLst>
+      <p:par>
+        <p:cTn id="1" dur="indefinite" restart="never" nodeType="tmRoot"/>
+      </p:par>
+    </p:tnLst>
+  </p:timing>
+</p:sld>
+</file>
+
+<file path=ppt/slides/slide11.xml><?xml version="1.0" encoding="utf-8"?>
+<p:sld xmlns:a="http://schemas.openxmlformats.org/drawingml/2006/main" xmlns:r="http://schemas.openxmlformats.org/officeDocument/2006/relationships" xmlns:p="http://schemas.openxmlformats.org/presentationml/2006/main">
+  <p:cSld>
+    <p:spTree>
+      <p:nvGrpSpPr>
+        <p:cNvPr id="1" name=""/>
+        <p:cNvGrpSpPr/>
+        <p:nvPr/>
+      </p:nvGrpSpPr>
+      <p:grpSpPr>
+        <a:xfrm>
+          <a:off x="0" y="0"/>
+          <a:ext cx="0" cy="0"/>
+          <a:chOff x="0" y="0"/>
+          <a:chExt cx="0" cy="0"/>
+        </a:xfrm>
+      </p:grpSpPr>
+      <p:sp>
+        <p:nvSpPr>
+          <p:cNvPr id="2" name="Title 1"/>
+          <p:cNvSpPr>
+            <a:spLocks noGrp="1"/>
+          </p:cNvSpPr>
+          <p:nvPr>
+            <p:ph type="title"/>
+          </p:nvPr>
+        </p:nvSpPr>
+        <p:spPr/>
+        <p:txBody>
+          <a:bodyPr>
+            <a:normAutofit/>
+          </a:bodyPr>
+          <a:lstStyle/>
+          <a:p>
+            <a:r>
+              <a:rPr lang="en-IN" dirty="0" smtClean="0"/>
+              <a:t>Run command</a:t>
+            </a:r>
+            <a:br>
+              <a:rPr lang="en-IN" dirty="0" smtClean="0"/>
+            </a:br>
+            <a:r>
+              <a:rPr lang="en-IN" sz="2400" dirty="0" smtClean="0"/>
+              <a:t>pip install –r requirements.txt</a:t>
+            </a:r>
+            <a:endParaRPr lang="en-IN" sz="2400" dirty="0"/>
+          </a:p>
+        </p:txBody>
+      </p:sp>
+      <p:pic>
+        <p:nvPicPr>
+          <p:cNvPr id="4" name="Content Placeholder 3"/>
+          <p:cNvPicPr>
+            <a:picLocks noGrp="1" noChangeAspect="1"/>
+          </p:cNvPicPr>
+          <p:nvPr>
+            <p:ph idx="1"/>
+          </p:nvPr>
+        </p:nvPicPr>
+        <p:blipFill>
+          <a:blip r:embed="rId2">
+            <a:extLst>
+              <a:ext uri="{28A0092B-C50C-407E-A947-70E740481C1C}">
+                <a14:useLocalDpi xmlns:a14="http://schemas.microsoft.com/office/drawing/2010/main" val="0"/>
+              </a:ext>
+            </a:extLst>
+          </a:blip>
+          <a:stretch>
+            <a:fillRect/>
+          </a:stretch>
+        </p:blipFill>
+        <p:spPr>
+          <a:xfrm>
+            <a:off x="457200" y="1713408"/>
+            <a:ext cx="8229600" cy="4299546"/>
+          </a:xfrm>
+        </p:spPr>
+      </p:pic>
+    </p:spTree>
+    <p:extLst>
+      <p:ext uri="{BB962C8B-B14F-4D97-AF65-F5344CB8AC3E}">
+        <p14:creationId xmlns:p14="http://schemas.microsoft.com/office/powerpoint/2010/main" val="2455407397"/>
+      </p:ext>
+    </p:extLst>
+  </p:cSld>
+  <p:clrMapOvr>
+    <a:masterClrMapping/>
+  </p:clrMapOvr>
+  <p:timing>
+    <p:tnLst>
+      <p:par>
+        <p:cTn id="1" dur="indefinite" restart="never" nodeType="tmRoot"/>
+      </p:par>
+    </p:tnLst>
+  </p:timing>
+</p:sld>
+</file>
+
+<file path=ppt/slides/slide12.xml><?xml version="1.0" encoding="utf-8"?>
+<p:sld xmlns:a="http://schemas.openxmlformats.org/drawingml/2006/main" xmlns:r="http://schemas.openxmlformats.org/officeDocument/2006/relationships" xmlns:p="http://schemas.openxmlformats.org/presentationml/2006/main">
+  <p:cSld>
+    <p:spTree>
+      <p:nvGrpSpPr>
+        <p:cNvPr id="1" name=""/>
+        <p:cNvGrpSpPr/>
+        <p:nvPr/>
+      </p:nvGrpSpPr>
+      <p:grpSpPr>
+        <a:xfrm>
+          <a:off x="0" y="0"/>
+          <a:ext cx="0" cy="0"/>
+          <a:chOff x="0" y="0"/>
+          <a:chExt cx="0" cy="0"/>
+        </a:xfrm>
+      </p:grpSpPr>
+      <p:sp>
+        <p:nvSpPr>
+          <p:cNvPr id="2" name="Title 1"/>
+          <p:cNvSpPr>
+            <a:spLocks noGrp="1"/>
+          </p:cNvSpPr>
+          <p:nvPr>
+            <p:ph type="title"/>
+          </p:nvPr>
+        </p:nvSpPr>
+        <p:spPr/>
+        <p:txBody>
           <a:bodyPr>
             <a:normAutofit fontScale="90000"/>
           </a:bodyPr>
@@ -3290,7 +3475,7 @@
 </p:sld>
 </file>
 
-<file path=ppt/slides/slide11.xml><?xml version="1.0" encoding="utf-8"?>
+<file path=ppt/slides/slide13.xml><?xml version="1.0" encoding="utf-8"?>
 <p:sld xmlns:a="http://schemas.openxmlformats.org/drawingml/2006/main" xmlns:r="http://schemas.openxmlformats.org/officeDocument/2006/relationships" xmlns:p="http://schemas.openxmlformats.org/presentationml/2006/main">
   <p:cSld>
     <p:spTree>
@@ -3429,7 +3614,7 @@
 </p:sld>
 </file>
 
-<file path=ppt/slides/slide12.xml><?xml version="1.0" encoding="utf-8"?>
+<file path=ppt/slides/slide14.xml><?xml version="1.0" encoding="utf-8"?>
 <p:sld xmlns:a="http://schemas.openxmlformats.org/drawingml/2006/main" xmlns:r="http://schemas.openxmlformats.org/officeDocument/2006/relationships" xmlns:p="http://schemas.openxmlformats.org/presentationml/2006/main">
   <p:cSld>
     <p:spTree>
@@ -3527,7 +3712,7 @@
 </p:sld>
 </file>
 
-<file path=ppt/slides/slide13.xml><?xml version="1.0" encoding="utf-8"?>
+<file path=ppt/slides/slide15.xml><?xml version="1.0" encoding="utf-8"?>
 <p:sld xmlns:a="http://schemas.openxmlformats.org/drawingml/2006/main" xmlns:r="http://schemas.openxmlformats.org/officeDocument/2006/relationships" xmlns:p="http://schemas.openxmlformats.org/presentationml/2006/main">
   <p:cSld>
     <p:spTree>
@@ -3666,7 +3851,7 @@
 </p:sld>
 </file>
 
-<file path=ppt/slides/slide14.xml><?xml version="1.0" encoding="utf-8"?>
+<file path=ppt/slides/slide16.xml><?xml version="1.0" encoding="utf-8"?>
 <p:sld xmlns:a="http://schemas.openxmlformats.org/drawingml/2006/main" xmlns:r="http://schemas.openxmlformats.org/officeDocument/2006/relationships" xmlns:p="http://schemas.openxmlformats.org/presentationml/2006/main">
   <p:cSld>
     <p:spTree>
@@ -3809,7 +3994,7 @@
 </p:sld>
 </file>
 
-<file path=ppt/slides/slide15.xml><?xml version="1.0" encoding="utf-8"?>
+<file path=ppt/slides/slide17.xml><?xml version="1.0" encoding="utf-8"?>
 <p:sld xmlns:a="http://schemas.openxmlformats.org/drawingml/2006/main" xmlns:r="http://schemas.openxmlformats.org/officeDocument/2006/relationships" xmlns:p="http://schemas.openxmlformats.org/presentationml/2006/main">
   <p:cSld>
     <p:spTree>
@@ -3887,7 +4072,7 @@
 </p:sld>
 </file>
 
-<file path=ppt/slides/slide16.xml><?xml version="1.0" encoding="utf-8"?>
+<file path=ppt/slides/slide18.xml><?xml version="1.0" encoding="utf-8"?>
 <p:sld xmlns:a="http://schemas.openxmlformats.org/drawingml/2006/main" xmlns:r="http://schemas.openxmlformats.org/officeDocument/2006/relationships" xmlns:p="http://schemas.openxmlformats.org/presentationml/2006/main">
   <p:cSld>
     <p:spTree>
@@ -4003,7 +4188,7 @@
 </p:sld>
 </file>
 
-<file path=ppt/slides/slide17.xml><?xml version="1.0" encoding="utf-8"?>
+<file path=ppt/slides/slide19.xml><?xml version="1.0" encoding="utf-8"?>
 <p:sld xmlns:a="http://schemas.openxmlformats.org/drawingml/2006/main" xmlns:r="http://schemas.openxmlformats.org/officeDocument/2006/relationships" xmlns:p="http://schemas.openxmlformats.org/presentationml/2006/main">
   <p:cSld>
     <p:spTree>
@@ -4142,7 +4327,124 @@
 </p:sld>
 </file>
 
-<file path=ppt/slides/slide18.xml><?xml version="1.0" encoding="utf-8"?>
+<file path=ppt/slides/slide2.xml><?xml version="1.0" encoding="utf-8"?>
+<p:sld xmlns:a="http://schemas.openxmlformats.org/drawingml/2006/main" xmlns:r="http://schemas.openxmlformats.org/officeDocument/2006/relationships" xmlns:p="http://schemas.openxmlformats.org/presentationml/2006/main">
+  <p:cSld>
+    <p:spTree>
+      <p:nvGrpSpPr>
+        <p:cNvPr id="1" name=""/>
+        <p:cNvGrpSpPr/>
+        <p:nvPr/>
+      </p:nvGrpSpPr>
+      <p:grpSpPr>
+        <a:xfrm>
+          <a:off x="0" y="0"/>
+          <a:ext cx="0" cy="0"/>
+          <a:chOff x="0" y="0"/>
+          <a:chExt cx="0" cy="0"/>
+        </a:xfrm>
+      </p:grpSpPr>
+      <p:sp>
+        <p:nvSpPr>
+          <p:cNvPr id="2" name="Title 1"/>
+          <p:cNvSpPr>
+            <a:spLocks noGrp="1"/>
+          </p:cNvSpPr>
+          <p:nvPr>
+            <p:ph type="title"/>
+          </p:nvPr>
+        </p:nvSpPr>
+        <p:spPr/>
+        <p:txBody>
+          <a:bodyPr/>
+          <a:lstStyle/>
+          <a:p>
+            <a:r>
+              <a:rPr lang="en-IN" dirty="0" smtClean="0"/>
+              <a:t>Pre-requisite</a:t>
+            </a:r>
+            <a:endParaRPr lang="en-IN" dirty="0"/>
+          </a:p>
+        </p:txBody>
+      </p:sp>
+      <p:sp>
+        <p:nvSpPr>
+          <p:cNvPr id="3" name="Content Placeholder 2"/>
+          <p:cNvSpPr>
+            <a:spLocks noGrp="1"/>
+          </p:cNvSpPr>
+          <p:nvPr>
+            <p:ph idx="1"/>
+          </p:nvPr>
+        </p:nvSpPr>
+        <p:spPr/>
+        <p:txBody>
+          <a:bodyPr/>
+          <a:lstStyle/>
+          <a:p>
+            <a:r>
+              <a:rPr lang="en-IN" dirty="0" smtClean="0"/>
+              <a:t>PC With Windows 7 64 bit</a:t>
+            </a:r>
+          </a:p>
+          <a:p>
+            <a:r>
+              <a:rPr lang="en-IN" dirty="0" smtClean="0"/>
+              <a:t>Python installed</a:t>
+            </a:r>
+          </a:p>
+          <a:p>
+            <a:r>
+              <a:rPr lang="en-IN" dirty="0" smtClean="0"/>
+              <a:t>Pip installed</a:t>
+            </a:r>
+          </a:p>
+          <a:p>
+            <a:r>
+              <a:rPr lang="en-IN" dirty="0" smtClean="0"/>
+              <a:t>Latest Antivirus and Firewall turned </a:t>
+            </a:r>
+            <a:r>
+              <a:rPr lang="en-IN" dirty="0" smtClean="0"/>
+              <a:t>On</a:t>
+            </a:r>
+          </a:p>
+          <a:p>
+            <a:r>
+              <a:rPr lang="en-IN" dirty="0" smtClean="0"/>
+              <a:t>Raise request through CRM to make bank live on NACH</a:t>
+            </a:r>
+            <a:endParaRPr lang="en-IN" dirty="0" smtClean="0"/>
+          </a:p>
+          <a:p>
+            <a:endParaRPr lang="en-IN" dirty="0" smtClean="0"/>
+          </a:p>
+          <a:p>
+            <a:endParaRPr lang="en-IN" dirty="0"/>
+          </a:p>
+        </p:txBody>
+      </p:sp>
+    </p:spTree>
+    <p:extLst>
+      <p:ext uri="{BB962C8B-B14F-4D97-AF65-F5344CB8AC3E}">
+        <p14:creationId xmlns:p14="http://schemas.microsoft.com/office/powerpoint/2010/main" val="1156271276"/>
+      </p:ext>
+    </p:extLst>
+  </p:cSld>
+  <p:clrMapOvr>
+    <a:masterClrMapping/>
+  </p:clrMapOvr>
+  <p:timing>
+    <p:tnLst>
+      <p:par>
+        <p:cTn id="1" dur="indefinite" restart="never" nodeType="tmRoot"/>
+      </p:par>
+    </p:tnLst>
+  </p:timing>
+</p:sld>
+</file>
+
+<file path=ppt/slides/slide20.xml><?xml version="1.0" encoding="utf-8"?>
 <p:sld xmlns:a="http://schemas.openxmlformats.org/drawingml/2006/main" xmlns:r="http://schemas.openxmlformats.org/officeDocument/2006/relationships" xmlns:p="http://schemas.openxmlformats.org/presentationml/2006/main">
   <p:cSld>
     <p:spTree>
@@ -4281,7 +4583,7 @@
 </p:sld>
 </file>
 
-<file path=ppt/slides/slide19.xml><?xml version="1.0" encoding="utf-8"?>
+<file path=ppt/slides/slide21.xml><?xml version="1.0" encoding="utf-8"?>
 <p:sld xmlns:a="http://schemas.openxmlformats.org/drawingml/2006/main" xmlns:r="http://schemas.openxmlformats.org/officeDocument/2006/relationships" xmlns:p="http://schemas.openxmlformats.org/presentationml/2006/main">
   <p:cSld>
     <p:spTree>
@@ -4420,121 +4722,7 @@
 </p:sld>
 </file>
 
-<file path=ppt/slides/slide2.xml><?xml version="1.0" encoding="utf-8"?>
-<p:sld xmlns:a="http://schemas.openxmlformats.org/drawingml/2006/main" xmlns:r="http://schemas.openxmlformats.org/officeDocument/2006/relationships" xmlns:p="http://schemas.openxmlformats.org/presentationml/2006/main">
-  <p:cSld>
-    <p:spTree>
-      <p:nvGrpSpPr>
-        <p:cNvPr id="1" name=""/>
-        <p:cNvGrpSpPr/>
-        <p:nvPr/>
-      </p:nvGrpSpPr>
-      <p:grpSpPr>
-        <a:xfrm>
-          <a:off x="0" y="0"/>
-          <a:ext cx="0" cy="0"/>
-          <a:chOff x="0" y="0"/>
-          <a:chExt cx="0" cy="0"/>
-        </a:xfrm>
-      </p:grpSpPr>
-      <p:sp>
-        <p:nvSpPr>
-          <p:cNvPr id="2" name="Title 1"/>
-          <p:cNvSpPr>
-            <a:spLocks noGrp="1"/>
-          </p:cNvSpPr>
-          <p:nvPr>
-            <p:ph type="title"/>
-          </p:nvPr>
-        </p:nvSpPr>
-        <p:spPr/>
-        <p:txBody>
-          <a:bodyPr/>
-          <a:lstStyle/>
-          <a:p>
-            <a:r>
-              <a:rPr lang="en-IN" dirty="0" smtClean="0"/>
-              <a:t>Pre-requisite</a:t>
-            </a:r>
-            <a:endParaRPr lang="en-IN" dirty="0"/>
-          </a:p>
-        </p:txBody>
-      </p:sp>
-      <p:sp>
-        <p:nvSpPr>
-          <p:cNvPr id="3" name="Content Placeholder 2"/>
-          <p:cNvSpPr>
-            <a:spLocks noGrp="1"/>
-          </p:cNvSpPr>
-          <p:nvPr>
-            <p:ph idx="1"/>
-          </p:nvPr>
-        </p:nvSpPr>
-        <p:spPr/>
-        <p:txBody>
-          <a:bodyPr/>
-          <a:lstStyle/>
-          <a:p>
-            <a:r>
-              <a:rPr lang="en-IN" dirty="0" smtClean="0"/>
-              <a:t>PC With Windows 7 64 bit</a:t>
-            </a:r>
-          </a:p>
-          <a:p>
-            <a:r>
-              <a:rPr lang="en-IN" dirty="0" smtClean="0"/>
-              <a:t>Python installed</a:t>
-            </a:r>
-          </a:p>
-          <a:p>
-            <a:r>
-              <a:rPr lang="en-IN" dirty="0" smtClean="0"/>
-              <a:t>Pip </a:t>
-            </a:r>
-            <a:r>
-              <a:rPr lang="en-IN" dirty="0" smtClean="0"/>
-              <a:t>installed</a:t>
-            </a:r>
-          </a:p>
-          <a:p>
-            <a:r>
-              <a:rPr lang="en-IN" dirty="0" smtClean="0"/>
-              <a:t>Latest Antivirus and </a:t>
-            </a:r>
-            <a:r>
-              <a:rPr lang="en-IN" smtClean="0"/>
-              <a:t>Firewall turned On</a:t>
-            </a:r>
-          </a:p>
-          <a:p>
-            <a:endParaRPr lang="en-IN" dirty="0" smtClean="0"/>
-          </a:p>
-          <a:p>
-            <a:endParaRPr lang="en-IN" dirty="0"/>
-          </a:p>
-        </p:txBody>
-      </p:sp>
-    </p:spTree>
-    <p:extLst>
-      <p:ext uri="{BB962C8B-B14F-4D97-AF65-F5344CB8AC3E}">
-        <p14:creationId xmlns:p14="http://schemas.microsoft.com/office/powerpoint/2010/main" val="1156271276"/>
-      </p:ext>
-    </p:extLst>
-  </p:cSld>
-  <p:clrMapOvr>
-    <a:masterClrMapping/>
-  </p:clrMapOvr>
-  <p:timing>
-    <p:tnLst>
-      <p:par>
-        <p:cTn id="1" dur="indefinite" restart="never" nodeType="tmRoot"/>
-      </p:par>
-    </p:tnLst>
-  </p:timing>
-</p:sld>
-</file>
-
-<file path=ppt/slides/slide20.xml><?xml version="1.0" encoding="utf-8"?>
+<file path=ppt/slides/slide22.xml><?xml version="1.0" encoding="utf-8"?>
 <p:sld xmlns:a="http://schemas.openxmlformats.org/drawingml/2006/main" xmlns:r="http://schemas.openxmlformats.org/officeDocument/2006/relationships" xmlns:p="http://schemas.openxmlformats.org/presentationml/2006/main">
   <p:cSld>
     <p:spTree>
@@ -4685,7 +4873,7 @@
 </p:sld>
 </file>
 
-<file path=ppt/slides/slide21.xml><?xml version="1.0" encoding="utf-8"?>
+<file path=ppt/slides/slide23.xml><?xml version="1.0" encoding="utf-8"?>
 <p:sld xmlns:a="http://schemas.openxmlformats.org/drawingml/2006/main" xmlns:r="http://schemas.openxmlformats.org/officeDocument/2006/relationships" xmlns:p="http://schemas.openxmlformats.org/presentationml/2006/main">
   <p:cSld>
     <p:spTree>
@@ -4831,6 +5019,176 @@
           <a:bodyPr/>
           <a:lstStyle/>
           <a:p>
+            <a:endParaRPr lang="en-IN"/>
+          </a:p>
+        </p:txBody>
+      </p:sp>
+      <p:pic>
+        <p:nvPicPr>
+          <p:cNvPr id="4" name="Content Placeholder 3"/>
+          <p:cNvPicPr>
+            <a:picLocks noGrp="1" noChangeAspect="1"/>
+          </p:cNvPicPr>
+          <p:nvPr>
+            <p:ph idx="1"/>
+          </p:nvPr>
+        </p:nvPicPr>
+        <p:blipFill>
+          <a:blip r:embed="rId2">
+            <a:extLst>
+              <a:ext uri="{28A0092B-C50C-407E-A947-70E740481C1C}">
+                <a14:useLocalDpi xmlns:a14="http://schemas.microsoft.com/office/drawing/2010/main" val="0"/>
+              </a:ext>
+            </a:extLst>
+          </a:blip>
+          <a:stretch>
+            <a:fillRect/>
+          </a:stretch>
+        </p:blipFill>
+        <p:spPr>
+          <a:xfrm>
+            <a:off x="548922" y="1600200"/>
+            <a:ext cx="8046156" cy="4525963"/>
+          </a:xfrm>
+        </p:spPr>
+      </p:pic>
+    </p:spTree>
+    <p:extLst>
+      <p:ext uri="{BB962C8B-B14F-4D97-AF65-F5344CB8AC3E}">
+        <p14:creationId xmlns:p14="http://schemas.microsoft.com/office/powerpoint/2010/main" val="802690725"/>
+      </p:ext>
+    </p:extLst>
+  </p:cSld>
+  <p:clrMapOvr>
+    <a:masterClrMapping/>
+  </p:clrMapOvr>
+  <p:timing>
+    <p:tnLst>
+      <p:par>
+        <p:cTn id="1" dur="indefinite" restart="never" nodeType="tmRoot"/>
+      </p:par>
+    </p:tnLst>
+  </p:timing>
+</p:sld>
+</file>
+
+<file path=ppt/slides/slide4.xml><?xml version="1.0" encoding="utf-8"?>
+<p:sld xmlns:a="http://schemas.openxmlformats.org/drawingml/2006/main" xmlns:r="http://schemas.openxmlformats.org/officeDocument/2006/relationships" xmlns:p="http://schemas.openxmlformats.org/presentationml/2006/main">
+  <p:cSld>
+    <p:spTree>
+      <p:nvGrpSpPr>
+        <p:cNvPr id="1" name=""/>
+        <p:cNvGrpSpPr/>
+        <p:nvPr/>
+      </p:nvGrpSpPr>
+      <p:grpSpPr>
+        <a:xfrm>
+          <a:off x="0" y="0"/>
+          <a:ext cx="0" cy="0"/>
+          <a:chOff x="0" y="0"/>
+          <a:chExt cx="0" cy="0"/>
+        </a:xfrm>
+      </p:grpSpPr>
+      <p:sp>
+        <p:nvSpPr>
+          <p:cNvPr id="2" name="Title 1"/>
+          <p:cNvSpPr>
+            <a:spLocks noGrp="1"/>
+          </p:cNvSpPr>
+          <p:nvPr>
+            <p:ph type="title"/>
+          </p:nvPr>
+        </p:nvSpPr>
+        <p:spPr/>
+        <p:txBody>
+          <a:bodyPr/>
+          <a:lstStyle/>
+          <a:p>
+            <a:endParaRPr lang="en-IN"/>
+          </a:p>
+        </p:txBody>
+      </p:sp>
+      <p:pic>
+        <p:nvPicPr>
+          <p:cNvPr id="4" name="Content Placeholder 3"/>
+          <p:cNvPicPr>
+            <a:picLocks noGrp="1" noChangeAspect="1"/>
+          </p:cNvPicPr>
+          <p:nvPr>
+            <p:ph idx="1"/>
+          </p:nvPr>
+        </p:nvPicPr>
+        <p:blipFill>
+          <a:blip r:embed="rId2">
+            <a:extLst>
+              <a:ext uri="{28A0092B-C50C-407E-A947-70E740481C1C}">
+                <a14:useLocalDpi xmlns:a14="http://schemas.microsoft.com/office/drawing/2010/main" val="0"/>
+              </a:ext>
+            </a:extLst>
+          </a:blip>
+          <a:stretch>
+            <a:fillRect/>
+          </a:stretch>
+        </p:blipFill>
+        <p:spPr>
+          <a:xfrm>
+            <a:off x="548922" y="1600200"/>
+            <a:ext cx="8046156" cy="4525963"/>
+          </a:xfrm>
+        </p:spPr>
+      </p:pic>
+    </p:spTree>
+    <p:extLst>
+      <p:ext uri="{BB962C8B-B14F-4D97-AF65-F5344CB8AC3E}">
+        <p14:creationId xmlns:p14="http://schemas.microsoft.com/office/powerpoint/2010/main" val="2169833806"/>
+      </p:ext>
+    </p:extLst>
+  </p:cSld>
+  <p:clrMapOvr>
+    <a:masterClrMapping/>
+  </p:clrMapOvr>
+  <p:timing>
+    <p:tnLst>
+      <p:par>
+        <p:cTn id="1" dur="indefinite" restart="never" nodeType="tmRoot"/>
+      </p:par>
+    </p:tnLst>
+  </p:timing>
+</p:sld>
+</file>
+
+<file path=ppt/slides/slide5.xml><?xml version="1.0" encoding="utf-8"?>
+<p:sld xmlns:a="http://schemas.openxmlformats.org/drawingml/2006/main" xmlns:r="http://schemas.openxmlformats.org/officeDocument/2006/relationships" xmlns:p="http://schemas.openxmlformats.org/presentationml/2006/main">
+  <p:cSld>
+    <p:spTree>
+      <p:nvGrpSpPr>
+        <p:cNvPr id="1" name=""/>
+        <p:cNvGrpSpPr/>
+        <p:nvPr/>
+      </p:nvGrpSpPr>
+      <p:grpSpPr>
+        <a:xfrm>
+          <a:off x="0" y="0"/>
+          <a:ext cx="0" cy="0"/>
+          <a:chOff x="0" y="0"/>
+          <a:chExt cx="0" cy="0"/>
+        </a:xfrm>
+      </p:grpSpPr>
+      <p:sp>
+        <p:nvSpPr>
+          <p:cNvPr id="2" name="Title 1"/>
+          <p:cNvSpPr>
+            <a:spLocks noGrp="1"/>
+          </p:cNvSpPr>
+          <p:nvPr>
+            <p:ph type="title"/>
+          </p:nvPr>
+        </p:nvSpPr>
+        <p:spPr/>
+        <p:txBody>
+          <a:bodyPr/>
+          <a:lstStyle/>
+          <a:p>
             <a:r>
               <a:rPr lang="en-IN" dirty="0" smtClean="0"/>
               <a:t>Install Python</a:t>
@@ -4906,7 +5264,7 @@
 </p:sld>
 </file>
 
-<file path=ppt/slides/slide4.xml><?xml version="1.0" encoding="utf-8"?>
+<file path=ppt/slides/slide6.xml><?xml version="1.0" encoding="utf-8"?>
 <p:sld xmlns:a="http://schemas.openxmlformats.org/drawingml/2006/main" xmlns:r="http://schemas.openxmlformats.org/officeDocument/2006/relationships" xmlns:p="http://schemas.openxmlformats.org/presentationml/2006/main">
   <p:cSld>
     <p:spTree>
@@ -5108,7 +5466,7 @@
 </p:sld>
 </file>
 
-<file path=ppt/slides/slide5.xml><?xml version="1.0" encoding="utf-8"?>
+<file path=ppt/slides/slide7.xml><?xml version="1.0" encoding="utf-8"?>
 <p:sld xmlns:a="http://schemas.openxmlformats.org/drawingml/2006/main" xmlns:r="http://schemas.openxmlformats.org/officeDocument/2006/relationships" xmlns:p="http://schemas.openxmlformats.org/presentationml/2006/main">
   <p:cSld>
     <p:spTree>
@@ -5237,7 +5595,7 @@
 </p:sld>
 </file>
 
-<file path=ppt/slides/slide6.xml><?xml version="1.0" encoding="utf-8"?>
+<file path=ppt/slides/slide8.xml><?xml version="1.0" encoding="utf-8"?>
 <p:sld xmlns:a="http://schemas.openxmlformats.org/drawingml/2006/main" xmlns:r="http://schemas.openxmlformats.org/officeDocument/2006/relationships" xmlns:p="http://schemas.openxmlformats.org/presentationml/2006/main">
   <p:cSld>
     <p:spTree>
@@ -5376,204 +5734,6 @@
 </p:sld>
 </file>
 
-<file path=ppt/slides/slide7.xml><?xml version="1.0" encoding="utf-8"?>
-<p:sld xmlns:a="http://schemas.openxmlformats.org/drawingml/2006/main" xmlns:r="http://schemas.openxmlformats.org/officeDocument/2006/relationships" xmlns:p="http://schemas.openxmlformats.org/presentationml/2006/main">
-  <p:cSld>
-    <p:spTree>
-      <p:nvGrpSpPr>
-        <p:cNvPr id="1" name=""/>
-        <p:cNvGrpSpPr/>
-        <p:nvPr/>
-      </p:nvGrpSpPr>
-      <p:grpSpPr>
-        <a:xfrm>
-          <a:off x="0" y="0"/>
-          <a:ext cx="0" cy="0"/>
-          <a:chOff x="0" y="0"/>
-          <a:chExt cx="0" cy="0"/>
-        </a:xfrm>
-      </p:grpSpPr>
-      <p:sp>
-        <p:nvSpPr>
-          <p:cNvPr id="2" name="Title 1"/>
-          <p:cNvSpPr>
-            <a:spLocks noGrp="1"/>
-          </p:cNvSpPr>
-          <p:nvPr>
-            <p:ph type="title"/>
-          </p:nvPr>
-        </p:nvSpPr>
-        <p:spPr/>
-        <p:txBody>
-          <a:bodyPr/>
-          <a:lstStyle/>
-          <a:p>
-            <a:endParaRPr lang="en-IN" dirty="0"/>
-          </a:p>
-        </p:txBody>
-      </p:sp>
-      <p:sp>
-        <p:nvSpPr>
-          <p:cNvPr id="3" name="Content Placeholder 2"/>
-          <p:cNvSpPr>
-            <a:spLocks noGrp="1"/>
-          </p:cNvSpPr>
-          <p:nvPr>
-            <p:ph idx="1"/>
-          </p:nvPr>
-        </p:nvSpPr>
-        <p:spPr/>
-        <p:txBody>
-          <a:bodyPr/>
-          <a:lstStyle/>
-          <a:p>
-            <a:r>
-              <a:rPr lang="en-IN" dirty="0" smtClean="0"/>
-              <a:t>Extract the zip folder</a:t>
-            </a:r>
-          </a:p>
-          <a:p>
-            <a:r>
-              <a:rPr lang="en-IN" dirty="0" smtClean="0"/>
-              <a:t>And rename the folders to CBDTWEB</a:t>
-            </a:r>
-          </a:p>
-          <a:p>
-            <a:r>
-              <a:rPr lang="en-IN" dirty="0" smtClean="0"/>
-              <a:t>Press windows +r command </a:t>
-            </a:r>
-          </a:p>
-          <a:p>
-            <a:r>
-              <a:rPr lang="en-IN" dirty="0" smtClean="0"/>
-              <a:t>Type </a:t>
-            </a:r>
-            <a:r>
-              <a:rPr lang="en-IN" dirty="0" err="1" smtClean="0"/>
-              <a:t>cmd</a:t>
-            </a:r>
-            <a:r>
-              <a:rPr lang="en-IN" dirty="0" smtClean="0"/>
-              <a:t> and open command prompt</a:t>
-            </a:r>
-          </a:p>
-          <a:p>
-            <a:r>
-              <a:rPr lang="en-IN" dirty="0" smtClean="0"/>
-              <a:t>Change to folder CBDTWEB</a:t>
-            </a:r>
-          </a:p>
-          <a:p>
-            <a:endParaRPr lang="en-IN" dirty="0"/>
-          </a:p>
-        </p:txBody>
-      </p:sp>
-    </p:spTree>
-    <p:extLst>
-      <p:ext uri="{BB962C8B-B14F-4D97-AF65-F5344CB8AC3E}">
-        <p14:creationId xmlns:p14="http://schemas.microsoft.com/office/powerpoint/2010/main" val="3342146025"/>
-      </p:ext>
-    </p:extLst>
-  </p:cSld>
-  <p:clrMapOvr>
-    <a:masterClrMapping/>
-  </p:clrMapOvr>
-  <p:timing>
-    <p:tnLst>
-      <p:par>
-        <p:cTn id="1" dur="indefinite" restart="never" nodeType="tmRoot"/>
-      </p:par>
-    </p:tnLst>
-  </p:timing>
-</p:sld>
-</file>
-
-<file path=ppt/slides/slide8.xml><?xml version="1.0" encoding="utf-8"?>
-<p:sld xmlns:a="http://schemas.openxmlformats.org/drawingml/2006/main" xmlns:r="http://schemas.openxmlformats.org/officeDocument/2006/relationships" xmlns:p="http://schemas.openxmlformats.org/presentationml/2006/main">
-  <p:cSld>
-    <p:spTree>
-      <p:nvGrpSpPr>
-        <p:cNvPr id="1" name=""/>
-        <p:cNvGrpSpPr/>
-        <p:nvPr/>
-      </p:nvGrpSpPr>
-      <p:grpSpPr>
-        <a:xfrm>
-          <a:off x="0" y="0"/>
-          <a:ext cx="0" cy="0"/>
-          <a:chOff x="0" y="0"/>
-          <a:chExt cx="0" cy="0"/>
-        </a:xfrm>
-      </p:grpSpPr>
-      <p:sp>
-        <p:nvSpPr>
-          <p:cNvPr id="2" name="Title 1"/>
-          <p:cNvSpPr>
-            <a:spLocks noGrp="1"/>
-          </p:cNvSpPr>
-          <p:nvPr>
-            <p:ph type="title"/>
-          </p:nvPr>
-        </p:nvSpPr>
-        <p:spPr/>
-        <p:txBody>
-          <a:bodyPr/>
-          <a:lstStyle/>
-          <a:p>
-            <a:endParaRPr lang="en-IN" dirty="0"/>
-          </a:p>
-        </p:txBody>
-      </p:sp>
-      <p:pic>
-        <p:nvPicPr>
-          <p:cNvPr id="4" name="Content Placeholder 3"/>
-          <p:cNvPicPr>
-            <a:picLocks noGrp="1" noChangeAspect="1"/>
-          </p:cNvPicPr>
-          <p:nvPr>
-            <p:ph idx="1"/>
-          </p:nvPr>
-        </p:nvPicPr>
-        <p:blipFill>
-          <a:blip r:embed="rId2">
-            <a:extLst>
-              <a:ext uri="{28A0092B-C50C-407E-A947-70E740481C1C}">
-                <a14:useLocalDpi xmlns:a14="http://schemas.microsoft.com/office/drawing/2010/main" val="0"/>
-              </a:ext>
-            </a:extLst>
-          </a:blip>
-          <a:stretch>
-            <a:fillRect/>
-          </a:stretch>
-        </p:blipFill>
-        <p:spPr>
-          <a:xfrm>
-            <a:off x="323528" y="1700808"/>
-            <a:ext cx="8229600" cy="4286075"/>
-          </a:xfrm>
-        </p:spPr>
-      </p:pic>
-    </p:spTree>
-    <p:extLst>
-      <p:ext uri="{BB962C8B-B14F-4D97-AF65-F5344CB8AC3E}">
-        <p14:creationId xmlns:p14="http://schemas.microsoft.com/office/powerpoint/2010/main" val="51257507"/>
-      </p:ext>
-    </p:extLst>
-  </p:cSld>
-  <p:clrMapOvr>
-    <a:masterClrMapping/>
-  </p:clrMapOvr>
-  <p:timing>
-    <p:tnLst>
-      <p:par>
-        <p:cTn id="1" dur="indefinite" restart="never" nodeType="tmRoot"/>
-      </p:par>
-    </p:tnLst>
-  </p:timing>
-</p:sld>
-</file>
-
 <file path=ppt/slides/slide9.xml><?xml version="1.0" encoding="utf-8"?>
 <p:sld xmlns:a="http://schemas.openxmlformats.org/drawingml/2006/main" xmlns:r="http://schemas.openxmlformats.org/officeDocument/2006/relationships" xmlns:p="http://schemas.openxmlformats.org/presentationml/2006/main">
   <p:cSld>
@@ -5603,59 +5763,74 @@
         </p:nvSpPr>
         <p:spPr/>
         <p:txBody>
-          <a:bodyPr>
-            <a:normAutofit/>
-          </a:bodyPr>
+          <a:bodyPr/>
+          <a:lstStyle/>
+          <a:p>
+            <a:endParaRPr lang="en-IN" dirty="0"/>
+          </a:p>
+        </p:txBody>
+      </p:sp>
+      <p:sp>
+        <p:nvSpPr>
+          <p:cNvPr id="3" name="Content Placeholder 2"/>
+          <p:cNvSpPr>
+            <a:spLocks noGrp="1"/>
+          </p:cNvSpPr>
+          <p:nvPr>
+            <p:ph idx="1"/>
+          </p:nvPr>
+        </p:nvSpPr>
+        <p:spPr/>
+        <p:txBody>
+          <a:bodyPr/>
           <a:lstStyle/>
           <a:p>
             <a:r>
               <a:rPr lang="en-IN" dirty="0" smtClean="0"/>
-              <a:t>Run command</a:t>
-            </a:r>
-            <a:br>
+              <a:t>Extract the zip folder</a:t>
+            </a:r>
+          </a:p>
+          <a:p>
+            <a:r>
               <a:rPr lang="en-IN" dirty="0" smtClean="0"/>
-            </a:br>
-            <a:r>
-              <a:rPr lang="en-IN" sz="2400" dirty="0" smtClean="0"/>
-              <a:t>pip install –r requirements.txt</a:t>
-            </a:r>
-            <a:endParaRPr lang="en-IN" sz="2400" dirty="0"/>
-          </a:p>
-        </p:txBody>
-      </p:sp>
-      <p:pic>
-        <p:nvPicPr>
-          <p:cNvPr id="4" name="Content Placeholder 3"/>
-          <p:cNvPicPr>
-            <a:picLocks noGrp="1" noChangeAspect="1"/>
-          </p:cNvPicPr>
-          <p:nvPr>
-            <p:ph idx="1"/>
-          </p:nvPr>
-        </p:nvPicPr>
-        <p:blipFill>
-          <a:blip r:embed="rId2">
-            <a:extLst>
-              <a:ext uri="{28A0092B-C50C-407E-A947-70E740481C1C}">
-                <a14:useLocalDpi xmlns:a14="http://schemas.microsoft.com/office/drawing/2010/main" val="0"/>
-              </a:ext>
-            </a:extLst>
-          </a:blip>
-          <a:stretch>
-            <a:fillRect/>
-          </a:stretch>
-        </p:blipFill>
-        <p:spPr>
-          <a:xfrm>
-            <a:off x="457200" y="1713408"/>
-            <a:ext cx="8229600" cy="4299546"/>
-          </a:xfrm>
-        </p:spPr>
-      </p:pic>
+              <a:t>And rename the folders to CBDTWEB</a:t>
+            </a:r>
+          </a:p>
+          <a:p>
+            <a:r>
+              <a:rPr lang="en-IN" dirty="0" smtClean="0"/>
+              <a:t>Press windows +r command </a:t>
+            </a:r>
+          </a:p>
+          <a:p>
+            <a:r>
+              <a:rPr lang="en-IN" dirty="0" smtClean="0"/>
+              <a:t>Type </a:t>
+            </a:r>
+            <a:r>
+              <a:rPr lang="en-IN" dirty="0" err="1" smtClean="0"/>
+              <a:t>cmd</a:t>
+            </a:r>
+            <a:r>
+              <a:rPr lang="en-IN" dirty="0" smtClean="0"/>
+              <a:t> and open command prompt</a:t>
+            </a:r>
+          </a:p>
+          <a:p>
+            <a:r>
+              <a:rPr lang="en-IN" dirty="0" smtClean="0"/>
+              <a:t>Change to folder CBDTWEB</a:t>
+            </a:r>
+          </a:p>
+          <a:p>
+            <a:endParaRPr lang="en-IN" dirty="0"/>
+          </a:p>
+        </p:txBody>
+      </p:sp>
     </p:spTree>
     <p:extLst>
       <p:ext uri="{BB962C8B-B14F-4D97-AF65-F5344CB8AC3E}">
-        <p14:creationId xmlns:p14="http://schemas.microsoft.com/office/powerpoint/2010/main" val="2455407397"/>
+        <p14:creationId xmlns:p14="http://schemas.microsoft.com/office/powerpoint/2010/main" val="3342146025"/>
       </p:ext>
     </p:extLst>
   </p:cSld>
